--- a/Assignment6/cell2cell analysis2.pptx
+++ b/Assignment6/cell2cell analysis2.pptx
@@ -138,84 +138,6 @@
       <pc:docMkLst>
         <pc:docMk/>
       </pc:docMkLst>
-      <pc:sldChg chg="del">
-        <pc:chgData name="joe standerfer" userId="1b337ce15d3046a8" providerId="LiveId" clId="{ED9A7C61-D5DE-492B-B819-9ACD1E68E330}" dt="2019-04-27T18:19:43.766" v="5" actId="2696"/>
-        <pc:sldMkLst>
-          <pc:docMk/>
-          <pc:sldMk cId="821510257" sldId="256"/>
-        </pc:sldMkLst>
-      </pc:sldChg>
-      <pc:sldChg chg="modSp del setBg">
-        <pc:chgData name="joe standerfer" userId="1b337ce15d3046a8" providerId="LiveId" clId="{ED9A7C61-D5DE-492B-B819-9ACD1E68E330}" dt="2019-04-27T18:32:13.959" v="150" actId="2696"/>
-        <pc:sldMkLst>
-          <pc:docMk/>
-          <pc:sldMk cId="2277420592" sldId="262"/>
-        </pc:sldMkLst>
-        <pc:spChg chg="mod">
-          <ac:chgData name="joe standerfer" userId="1b337ce15d3046a8" providerId="LiveId" clId="{ED9A7C61-D5DE-492B-B819-9ACD1E68E330}" dt="2019-04-27T18:20:17.769" v="7" actId="208"/>
-          <ac:spMkLst>
-            <pc:docMk/>
-            <pc:sldMk cId="2277420592" sldId="262"/>
-            <ac:spMk id="28" creationId="{CCE5588B-03A3-472D-834E-8FE8F6628C75}"/>
-          </ac:spMkLst>
-        </pc:spChg>
-        <pc:spChg chg="mod">
-          <ac:chgData name="joe standerfer" userId="1b337ce15d3046a8" providerId="LiveId" clId="{ED9A7C61-D5DE-492B-B819-9ACD1E68E330}" dt="2019-04-27T18:20:17.769" v="7" actId="208"/>
-          <ac:spMkLst>
-            <pc:docMk/>
-            <pc:sldMk cId="2277420592" sldId="262"/>
-            <ac:spMk id="30" creationId="{8D1354F0-BC54-43B9-9E33-CFA191EBDFD1}"/>
-          </ac:spMkLst>
-        </pc:spChg>
-        <pc:spChg chg="mod">
-          <ac:chgData name="joe standerfer" userId="1b337ce15d3046a8" providerId="LiveId" clId="{ED9A7C61-D5DE-492B-B819-9ACD1E68E330}" dt="2019-04-27T18:22:00.065" v="69" actId="404"/>
-          <ac:spMkLst>
-            <pc:docMk/>
-            <pc:sldMk cId="2277420592" sldId="262"/>
-            <ac:spMk id="37" creationId="{FD08D564-5A79-4D91-9DF2-A43ED3106AC1}"/>
-          </ac:spMkLst>
-        </pc:spChg>
-        <pc:spChg chg="mod">
-          <ac:chgData name="joe standerfer" userId="1b337ce15d3046a8" providerId="LiveId" clId="{ED9A7C61-D5DE-492B-B819-9ACD1E68E330}" dt="2019-04-27T18:21:43.315" v="65" actId="404"/>
-          <ac:spMkLst>
-            <pc:docMk/>
-            <pc:sldMk cId="2277420592" sldId="262"/>
-            <ac:spMk id="40" creationId="{047F1885-9043-4CCC-AB09-55262CE992F3}"/>
-          </ac:spMkLst>
-        </pc:spChg>
-        <pc:spChg chg="mod">
-          <ac:chgData name="joe standerfer" userId="1b337ce15d3046a8" providerId="LiveId" clId="{ED9A7C61-D5DE-492B-B819-9ACD1E68E330}" dt="2019-04-27T18:20:31.794" v="8" actId="404"/>
-          <ac:spMkLst>
-            <pc:docMk/>
-            <pc:sldMk cId="2277420592" sldId="262"/>
-            <ac:spMk id="41" creationId="{E17EEC23-4E91-44DF-AC28-901447F31403}"/>
-          </ac:spMkLst>
-        </pc:spChg>
-        <pc:spChg chg="mod">
-          <ac:chgData name="joe standerfer" userId="1b337ce15d3046a8" providerId="LiveId" clId="{ED9A7C61-D5DE-492B-B819-9ACD1E68E330}" dt="2019-04-27T18:21:52.658" v="68" actId="404"/>
-          <ac:spMkLst>
-            <pc:docMk/>
-            <pc:sldMk cId="2277420592" sldId="262"/>
-            <ac:spMk id="45" creationId="{29C3D4D6-ABF3-4CE9-8431-C9CACFDD0D6D}"/>
-          </ac:spMkLst>
-        </pc:spChg>
-        <pc:spChg chg="mod">
-          <ac:chgData name="joe standerfer" userId="1b337ce15d3046a8" providerId="LiveId" clId="{ED9A7C61-D5DE-492B-B819-9ACD1E68E330}" dt="2019-04-27T18:20:40.896" v="9" actId="1076"/>
-          <ac:spMkLst>
-            <pc:docMk/>
-            <pc:sldMk cId="2277420592" sldId="262"/>
-            <ac:spMk id="47" creationId="{AE7A2F21-0305-4922-A957-AEA50CA3FAA4}"/>
-          </ac:spMkLst>
-        </pc:spChg>
-        <pc:cxnChg chg="mod">
-          <ac:chgData name="joe standerfer" userId="1b337ce15d3046a8" providerId="LiveId" clId="{ED9A7C61-D5DE-492B-B819-9ACD1E68E330}" dt="2019-04-27T18:21:18.113" v="64" actId="1038"/>
-          <ac:cxnSpMkLst>
-            <pc:docMk/>
-            <pc:sldMk cId="2277420592" sldId="262"/>
-            <ac:cxnSpMk id="15" creationId="{EB7260C9-739E-4B6B-9172-BC32BED85A2D}"/>
-          </ac:cxnSpMkLst>
-        </pc:cxnChg>
-      </pc:sldChg>
       <pc:sldChg chg="addSp delSp modSp add mod setBg setClrOvrMap delDesignElem">
         <pc:chgData name="joe standerfer" userId="1b337ce15d3046a8" providerId="LiveId" clId="{ED9A7C61-D5DE-492B-B819-9ACD1E68E330}" dt="2019-04-27T18:19:40.516" v="4" actId="26606"/>
         <pc:sldMkLst>
@@ -525,13 +447,6 @@
             <ac:picMk id="21" creationId="{69F01145-BEA3-4CBF-AA21-10077B948CA8}"/>
           </ac:picMkLst>
         </pc:picChg>
-      </pc:sldChg>
-      <pc:sldChg chg="add del">
-        <pc:chgData name="joe standerfer" userId="1b337ce15d3046a8" providerId="LiveId" clId="{ED9A7C61-D5DE-492B-B819-9ACD1E68E330}" dt="2019-04-27T18:25:12.868" v="93" actId="2696"/>
-        <pc:sldMkLst>
-          <pc:docMk/>
-          <pc:sldMk cId="3656676082" sldId="265"/>
-        </pc:sldMkLst>
       </pc:sldChg>
       <pc:sldChg chg="addSp delSp modSp add mod setBg setClrOvrMap delDesignElem">
         <pc:chgData name="joe standerfer" userId="1b337ce15d3046a8" providerId="LiveId" clId="{ED9A7C61-D5DE-492B-B819-9ACD1E68E330}" dt="2019-04-27T18:44:36.487" v="540" actId="207"/>
@@ -1249,6 +1164,70 @@
             <ac:grpSpMk id="43" creationId="{62D14362-D888-4D4B-B12E-9020AAD2F5E2}"/>
           </ac:grpSpMkLst>
         </pc:grpChg>
+      </pc:sldChg>
+    </pc:docChg>
+  </pc:docChgLst>
+  <pc:docChgLst>
+    <pc:chgData name="joe standerfer" userId="1b337ce15d3046a8" providerId="LiveId" clId="{6A9AAF91-A176-494D-A508-685C5C770C8A}"/>
+    <pc:docChg chg="modSld">
+      <pc:chgData name="joe standerfer" userId="1b337ce15d3046a8" providerId="LiveId" clId="{6A9AAF91-A176-494D-A508-685C5C770C8A}" dt="2019-04-29T18:04:44.913" v="68" actId="1036"/>
+      <pc:docMkLst>
+        <pc:docMk/>
+      </pc:docMkLst>
+      <pc:sldChg chg="modSp">
+        <pc:chgData name="joe standerfer" userId="1b337ce15d3046a8" providerId="LiveId" clId="{6A9AAF91-A176-494D-A508-685C5C770C8A}" dt="2019-04-29T18:04:44.913" v="68" actId="1036"/>
+        <pc:sldMkLst>
+          <pc:docMk/>
+          <pc:sldMk cId="1019013741" sldId="268"/>
+        </pc:sldMkLst>
+        <pc:spChg chg="mod">
+          <ac:chgData name="joe standerfer" userId="1b337ce15d3046a8" providerId="LiveId" clId="{6A9AAF91-A176-494D-A508-685C5C770C8A}" dt="2019-04-29T18:03:57.872" v="26" actId="20577"/>
+          <ac:spMkLst>
+            <pc:docMk/>
+            <pc:sldMk cId="1019013741" sldId="268"/>
+            <ac:spMk id="25" creationId="{DAFBFB74-B079-4C0F-9424-8EE551EF7E61}"/>
+          </ac:spMkLst>
+        </pc:spChg>
+        <pc:spChg chg="mod">
+          <ac:chgData name="joe standerfer" userId="1b337ce15d3046a8" providerId="LiveId" clId="{6A9AAF91-A176-494D-A508-685C5C770C8A}" dt="2019-04-29T18:04:24.034" v="57" actId="1076"/>
+          <ac:spMkLst>
+            <pc:docMk/>
+            <pc:sldMk cId="1019013741" sldId="268"/>
+            <ac:spMk id="26" creationId="{B1CF87E3-2870-415E-9B2A-8394454094A9}"/>
+          </ac:spMkLst>
+        </pc:spChg>
+        <pc:spChg chg="mod">
+          <ac:chgData name="joe standerfer" userId="1b337ce15d3046a8" providerId="LiveId" clId="{6A9AAF91-A176-494D-A508-685C5C770C8A}" dt="2019-04-29T18:04:44.913" v="68" actId="1036"/>
+          <ac:spMkLst>
+            <pc:docMk/>
+            <pc:sldMk cId="1019013741" sldId="268"/>
+            <ac:spMk id="28" creationId="{121CF6FE-48F7-4415-A56D-BF582EB39ADB}"/>
+          </ac:spMkLst>
+        </pc:spChg>
+        <pc:spChg chg="mod">
+          <ac:chgData name="joe standerfer" userId="1b337ce15d3046a8" providerId="LiveId" clId="{6A9AAF91-A176-494D-A508-685C5C770C8A}" dt="2019-04-29T18:04:05.185" v="48" actId="1036"/>
+          <ac:spMkLst>
+            <pc:docMk/>
+            <pc:sldMk cId="1019013741" sldId="268"/>
+            <ac:spMk id="30" creationId="{222ADAF0-D99D-4548-8C8A-1ED97B03AB4A}"/>
+          </ac:spMkLst>
+        </pc:spChg>
+        <pc:spChg chg="mod">
+          <ac:chgData name="joe standerfer" userId="1b337ce15d3046a8" providerId="LiveId" clId="{6A9AAF91-A176-494D-A508-685C5C770C8A}" dt="2019-04-29T18:04:19.685" v="56" actId="14100"/>
+          <ac:spMkLst>
+            <pc:docMk/>
+            <pc:sldMk cId="1019013741" sldId="268"/>
+            <ac:spMk id="33" creationId="{21F1D6D2-FF42-471A-A831-BDF347DBDDD5}"/>
+          </ac:spMkLst>
+        </pc:spChg>
+        <pc:spChg chg="mod">
+          <ac:chgData name="joe standerfer" userId="1b337ce15d3046a8" providerId="LiveId" clId="{6A9AAF91-A176-494D-A508-685C5C770C8A}" dt="2019-04-29T18:04:15.957" v="55" actId="14100"/>
+          <ac:spMkLst>
+            <pc:docMk/>
+            <pc:sldMk cId="1019013741" sldId="268"/>
+            <ac:spMk id="34" creationId="{7E8790D3-7318-462B-9B95-1B1852BD834D}"/>
+          </ac:spMkLst>
+        </pc:spChg>
       </pc:sldChg>
     </pc:docChg>
   </pc:docChgLst>
@@ -4880,7 +4859,7 @@
           <a:p>
             <a:fld id="{92B1001D-5247-44CD-AF32-1CB9476F8346}" type="datetimeFigureOut">
               <a:rPr lang="en-US" smtClean="0"/>
-              <a:t>4/27/2019</a:t>
+              <a:t>4/29/2019</a:t>
             </a:fld>
             <a:endParaRPr lang="en-US"/>
           </a:p>
@@ -5155,7 +5134,7 @@
           <a:p>
             <a:fld id="{92B1001D-5247-44CD-AF32-1CB9476F8346}" type="datetimeFigureOut">
               <a:rPr lang="en-US" smtClean="0"/>
-              <a:t>4/27/2019</a:t>
+              <a:t>4/29/2019</a:t>
             </a:fld>
             <a:endParaRPr lang="en-US"/>
           </a:p>
@@ -5349,7 +5328,7 @@
           <a:p>
             <a:fld id="{92B1001D-5247-44CD-AF32-1CB9476F8346}" type="datetimeFigureOut">
               <a:rPr lang="en-US" smtClean="0"/>
-              <a:t>4/27/2019</a:t>
+              <a:t>4/29/2019</a:t>
             </a:fld>
             <a:endParaRPr lang="en-US"/>
           </a:p>
@@ -5622,7 +5601,7 @@
           <a:p>
             <a:fld id="{92B1001D-5247-44CD-AF32-1CB9476F8346}" type="datetimeFigureOut">
               <a:rPr lang="en-US" smtClean="0"/>
-              <a:t>4/27/2019</a:t>
+              <a:t>4/29/2019</a:t>
             </a:fld>
             <a:endParaRPr lang="en-US"/>
           </a:p>
@@ -5963,7 +5942,7 @@
           <a:p>
             <a:fld id="{92B1001D-5247-44CD-AF32-1CB9476F8346}" type="datetimeFigureOut">
               <a:rPr lang="en-US" smtClean="0"/>
-              <a:t>4/27/2019</a:t>
+              <a:t>4/29/2019</a:t>
             </a:fld>
             <a:endParaRPr lang="en-US"/>
           </a:p>
@@ -6586,7 +6565,7 @@
           <a:p>
             <a:fld id="{92B1001D-5247-44CD-AF32-1CB9476F8346}" type="datetimeFigureOut">
               <a:rPr lang="en-US" smtClean="0"/>
-              <a:t>4/27/2019</a:t>
+              <a:t>4/29/2019</a:t>
             </a:fld>
             <a:endParaRPr lang="en-US"/>
           </a:p>
@@ -7446,7 +7425,7 @@
           <a:p>
             <a:fld id="{92B1001D-5247-44CD-AF32-1CB9476F8346}" type="datetimeFigureOut">
               <a:rPr lang="en-US" smtClean="0"/>
-              <a:t>4/27/2019</a:t>
+              <a:t>4/29/2019</a:t>
             </a:fld>
             <a:endParaRPr lang="en-US"/>
           </a:p>
@@ -7616,7 +7595,7 @@
           <a:p>
             <a:fld id="{92B1001D-5247-44CD-AF32-1CB9476F8346}" type="datetimeFigureOut">
               <a:rPr lang="en-US" smtClean="0"/>
-              <a:t>4/27/2019</a:t>
+              <a:t>4/29/2019</a:t>
             </a:fld>
             <a:endParaRPr lang="en-US"/>
           </a:p>
@@ -7796,7 +7775,7 @@
           <a:p>
             <a:fld id="{92B1001D-5247-44CD-AF32-1CB9476F8346}" type="datetimeFigureOut">
               <a:rPr lang="en-US" smtClean="0"/>
-              <a:t>4/27/2019</a:t>
+              <a:t>4/29/2019</a:t>
             </a:fld>
             <a:endParaRPr lang="en-US"/>
           </a:p>
@@ -7966,7 +7945,7 @@
           <a:p>
             <a:fld id="{92B1001D-5247-44CD-AF32-1CB9476F8346}" type="datetimeFigureOut">
               <a:rPr lang="en-US" smtClean="0"/>
-              <a:t>4/27/2019</a:t>
+              <a:t>4/29/2019</a:t>
             </a:fld>
             <a:endParaRPr lang="en-US"/>
           </a:p>
@@ -8213,7 +8192,7 @@
           <a:p>
             <a:fld id="{92B1001D-5247-44CD-AF32-1CB9476F8346}" type="datetimeFigureOut">
               <a:rPr lang="en-US" smtClean="0"/>
-              <a:t>4/27/2019</a:t>
+              <a:t>4/29/2019</a:t>
             </a:fld>
             <a:endParaRPr lang="en-US"/>
           </a:p>
@@ -8505,7 +8484,7 @@
           <a:p>
             <a:fld id="{92B1001D-5247-44CD-AF32-1CB9476F8346}" type="datetimeFigureOut">
               <a:rPr lang="en-US" smtClean="0"/>
-              <a:t>4/27/2019</a:t>
+              <a:t>4/29/2019</a:t>
             </a:fld>
             <a:endParaRPr lang="en-US"/>
           </a:p>
@@ -8949,7 +8928,7 @@
           <a:p>
             <a:fld id="{92B1001D-5247-44CD-AF32-1CB9476F8346}" type="datetimeFigureOut">
               <a:rPr lang="en-US" smtClean="0"/>
-              <a:t>4/27/2019</a:t>
+              <a:t>4/29/2019</a:t>
             </a:fld>
             <a:endParaRPr lang="en-US"/>
           </a:p>
@@ -9067,7 +9046,7 @@
           <a:p>
             <a:fld id="{92B1001D-5247-44CD-AF32-1CB9476F8346}" type="datetimeFigureOut">
               <a:rPr lang="en-US" smtClean="0"/>
-              <a:t>4/27/2019</a:t>
+              <a:t>4/29/2019</a:t>
             </a:fld>
             <a:endParaRPr lang="en-US"/>
           </a:p>
@@ -9162,7 +9141,7 @@
           <a:p>
             <a:fld id="{92B1001D-5247-44CD-AF32-1CB9476F8346}" type="datetimeFigureOut">
               <a:rPr lang="en-US" smtClean="0"/>
-              <a:t>4/27/2019</a:t>
+              <a:t>4/29/2019</a:t>
             </a:fld>
             <a:endParaRPr lang="en-US"/>
           </a:p>
@@ -9441,7 +9420,7 @@
           <a:p>
             <a:fld id="{92B1001D-5247-44CD-AF32-1CB9476F8346}" type="datetimeFigureOut">
               <a:rPr lang="en-US" smtClean="0"/>
-              <a:t>4/27/2019</a:t>
+              <a:t>4/29/2019</a:t>
             </a:fld>
             <a:endParaRPr lang="en-US"/>
           </a:p>
@@ -9716,7 +9695,7 @@
           <a:p>
             <a:fld id="{92B1001D-5247-44CD-AF32-1CB9476F8346}" type="datetimeFigureOut">
               <a:rPr lang="en-US" smtClean="0"/>
-              <a:t>4/27/2019</a:t>
+              <a:t>4/29/2019</a:t>
             </a:fld>
             <a:endParaRPr lang="en-US"/>
           </a:p>
@@ -10281,7 +10260,7 @@
           <a:p>
             <a:fld id="{92B1001D-5247-44CD-AF32-1CB9476F8346}" type="datetimeFigureOut">
               <a:rPr lang="en-US" smtClean="0"/>
-              <a:t>4/27/2019</a:t>
+              <a:t>4/29/2019</a:t>
             </a:fld>
             <a:endParaRPr lang="en-US"/>
           </a:p>
@@ -18735,8 +18714,8 @@
                     </p:nvSpPr>
                     <p:spPr>
                       <a:xfrm>
-                        <a:off x="1453896" y="3438539"/>
-                        <a:ext cx="941832" cy="2374062"/>
+                        <a:off x="1453896" y="4089815"/>
+                        <a:ext cx="941832" cy="1722786"/>
                       </a:xfrm>
                       <a:prstGeom prst="roundRect">
                         <a:avLst>
@@ -18793,8 +18772,8 @@
                     </p:nvSpPr>
                     <p:spPr>
                       <a:xfrm>
-                        <a:off x="2557272" y="4334256"/>
-                        <a:ext cx="941832" cy="1478344"/>
+                        <a:off x="2557272" y="4020240"/>
+                        <a:ext cx="941832" cy="1792360"/>
                       </a:xfrm>
                       <a:prstGeom prst="roundRect">
                         <a:avLst>
@@ -18852,8 +18831,8 @@
                   </p:nvSpPr>
                   <p:spPr>
                     <a:xfrm>
-                      <a:off x="1674583" y="2854519"/>
-                      <a:ext cx="500457" cy="369332"/>
+                      <a:off x="1614470" y="3142750"/>
+                      <a:ext cx="620683" cy="369332"/>
                     </a:xfrm>
                     <a:prstGeom prst="rect">
                       <a:avLst/>
@@ -18873,7 +18852,7 @@
                             <a:schemeClr val="bg1"/>
                           </a:solidFill>
                         </a:rPr>
-                        <a:t>?%</a:t>
+                        <a:t>44%</a:t>
                       </a:r>
                     </a:p>
                   </p:txBody>
@@ -18893,8 +18872,8 @@
                 </p:nvSpPr>
                 <p:spPr>
                   <a:xfrm>
-                    <a:off x="2777959" y="3046543"/>
-                    <a:ext cx="500457" cy="369332"/>
+                    <a:off x="2621666" y="3116116"/>
+                    <a:ext cx="813043" cy="369332"/>
                   </a:xfrm>
                   <a:prstGeom prst="rect">
                     <a:avLst/>
@@ -18914,7 +18893,7 @@
                           <a:schemeClr val="bg1"/>
                         </a:solidFill>
                       </a:rPr>
-                      <a:t>?%</a:t>
+                      <a:t>43.6%</a:t>
                     </a:r>
                   </a:p>
                 </p:txBody>
@@ -18934,8 +18913,8 @@
               </p:nvSpPr>
               <p:spPr>
                 <a:xfrm>
-                  <a:off x="1674583" y="4235261"/>
-                  <a:ext cx="500457" cy="369332"/>
+                  <a:off x="1614470" y="4642761"/>
+                  <a:ext cx="620683" cy="369332"/>
                 </a:xfrm>
                 <a:prstGeom prst="rect">
                   <a:avLst/>
@@ -18951,7 +18930,7 @@
                   <a:pPr algn="ctr"/>
                   <a:r>
                     <a:rPr lang="en-US" dirty="0"/>
-                    <a:t>?%</a:t>
+                    <a:t>56%</a:t>
                   </a:r>
                 </a:p>
               </p:txBody>
@@ -18970,8 +18949,8 @@
               </p:nvSpPr>
               <p:spPr>
                 <a:xfrm>
-                  <a:off x="2777956" y="4839264"/>
-                  <a:ext cx="500458" cy="369332"/>
+                  <a:off x="2621665" y="4626962"/>
+                  <a:ext cx="813043" cy="369332"/>
                 </a:xfrm>
                 <a:prstGeom prst="rect">
                   <a:avLst/>
@@ -18987,7 +18966,7 @@
                   <a:pPr algn="ctr"/>
                   <a:r>
                     <a:rPr lang="en-US" dirty="0"/>
-                    <a:t>?%</a:t>
+                    <a:t>56.4%</a:t>
                   </a:r>
                 </a:p>
               </p:txBody>

--- a/Assignment6/cell2cell analysis2.pptx
+++ b/Assignment6/cell2cell analysis2.pptx
@@ -1170,10 +1170,25 @@
   <pc:docChgLst>
     <pc:chgData name="joe standerfer" userId="1b337ce15d3046a8" providerId="LiveId" clId="{6A9AAF91-A176-494D-A508-685C5C770C8A}"/>
     <pc:docChg chg="modSld">
-      <pc:chgData name="joe standerfer" userId="1b337ce15d3046a8" providerId="LiveId" clId="{6A9AAF91-A176-494D-A508-685C5C770C8A}" dt="2019-04-29T18:04:44.913" v="68" actId="1036"/>
+      <pc:chgData name="joe standerfer" userId="1b337ce15d3046a8" providerId="LiveId" clId="{6A9AAF91-A176-494D-A508-685C5C770C8A}" dt="2019-04-30T00:37:12.173" v="69" actId="13926"/>
       <pc:docMkLst>
         <pc:docMk/>
       </pc:docMkLst>
+      <pc:sldChg chg="modSp">
+        <pc:chgData name="joe standerfer" userId="1b337ce15d3046a8" providerId="LiveId" clId="{6A9AAF91-A176-494D-A508-685C5C770C8A}" dt="2019-04-30T00:37:12.173" v="69" actId="13926"/>
+        <pc:sldMkLst>
+          <pc:docMk/>
+          <pc:sldMk cId="4217154359" sldId="264"/>
+        </pc:sldMkLst>
+        <pc:spChg chg="mod">
+          <ac:chgData name="joe standerfer" userId="1b337ce15d3046a8" providerId="LiveId" clId="{6A9AAF91-A176-494D-A508-685C5C770C8A}" dt="2019-04-30T00:37:12.173" v="69" actId="13926"/>
+          <ac:spMkLst>
+            <pc:docMk/>
+            <pc:sldMk cId="4217154359" sldId="264"/>
+            <ac:spMk id="6" creationId="{90591487-D07D-4B18-B6B0-15AEB40FC04D}"/>
+          </ac:spMkLst>
+        </pc:spChg>
+      </pc:sldChg>
       <pc:sldChg chg="modSp">
         <pc:chgData name="joe standerfer" userId="1b337ce15d3046a8" providerId="LiveId" clId="{6A9AAF91-A176-494D-A508-685C5C770C8A}" dt="2019-04-29T18:04:44.913" v="68" actId="1036"/>
         <pc:sldMkLst>
@@ -17427,26 +17442,7 @@
                   <a:srgbClr val="FFFFFF"/>
                 </a:solidFill>
               </a:rPr>
-              <a:t>Customer churn can be predicted with a </a:t>
-            </a:r>
-            <a:r>
-              <a:rPr lang="en-US" dirty="0">
-                <a:solidFill>
-                  <a:srgbClr val="FFFFFF"/>
-                </a:solidFill>
-                <a:highlight>
-                  <a:srgbClr val="FFFF00"/>
-                </a:highlight>
-              </a:rPr>
-              <a:t>77% </a:t>
-            </a:r>
-            <a:r>
-              <a:rPr lang="en-US" dirty="0">
-                <a:solidFill>
-                  <a:srgbClr val="FFFFFF"/>
-                </a:solidFill>
-              </a:rPr>
-              <a:t>true positive rate using just 2 features: </a:t>
+              <a:t>Customer churn can be predicted with a 77% true positive rate using just 2 features: </a:t>
             </a:r>
           </a:p>
           <a:p>
